--- a/IANN.pptx.pptx
+++ b/IANN.pptx.pptx
@@ -18313,13 +18313,13 @@
           <a:blip r:embed="rId3">
             <a:alphaModFix/>
           </a:blip>
-          <a:srcRect b="10795" l="0" r="0" t="0"/>
+          <a:srcRect b="10793" l="9585" r="10733" t="0"/>
           <a:stretch/>
         </p:blipFill>
         <p:spPr>
           <a:xfrm>
-            <a:off x="165100" y="152400"/>
-            <a:ext cx="8813800" cy="1650999"/>
+            <a:off x="165150" y="177900"/>
+            <a:ext cx="8813700" cy="1650900"/>
           </a:xfrm>
           <a:prstGeom prst="rect">
             <a:avLst/>
@@ -18340,13 +18340,13 @@
           <a:blip r:embed="rId4">
             <a:alphaModFix/>
           </a:blip>
-          <a:srcRect b="5743" l="0" r="0" t="0"/>
+          <a:srcRect b="5740" l="8164" r="0" t="0"/>
           <a:stretch/>
         </p:blipFill>
         <p:spPr>
           <a:xfrm>
             <a:off x="165100" y="1778000"/>
-            <a:ext cx="5791200" cy="3187699"/>
+            <a:ext cx="5858700" cy="3187800"/>
           </a:xfrm>
           <a:prstGeom prst="rect">
             <a:avLst/>
@@ -18372,8 +18372,8 @@
         </p:blipFill>
         <p:spPr>
           <a:xfrm>
-            <a:off x="5964237" y="1765300"/>
-            <a:ext cx="3014663" cy="1869115"/>
+            <a:off x="5964249" y="1778000"/>
+            <a:ext cx="3014699" cy="1869000"/>
           </a:xfrm>
           <a:prstGeom prst="rect">
             <a:avLst/>
@@ -18499,13 +18499,13 @@
           <a:blip r:embed="rId6">
             <a:alphaModFix/>
           </a:blip>
-          <a:srcRect b="9256" l="0" r="0" t="-7998"/>
+          <a:srcRect b="9261" l="7458" r="0" t="-7997"/>
           <a:stretch/>
         </p:blipFill>
         <p:spPr>
           <a:xfrm>
-            <a:off x="5943600" y="3403600"/>
-            <a:ext cx="3048000" cy="1562099"/>
+            <a:off x="5964225" y="3403700"/>
+            <a:ext cx="3014700" cy="1562100"/>
           </a:xfrm>
           <a:prstGeom prst="rect">
             <a:avLst/>
@@ -19263,8 +19263,8 @@
         </p:nvSpPr>
         <p:spPr>
           <a:xfrm>
-            <a:off x="244250" y="1597900"/>
-            <a:ext cx="1827600" cy="1619100"/>
+            <a:off x="444350" y="1599100"/>
+            <a:ext cx="1821300" cy="1698900"/>
           </a:xfrm>
           <a:prstGeom prst="ellipse">
             <a:avLst/>
@@ -19390,8 +19390,8 @@
         </p:nvSpPr>
         <p:spPr>
           <a:xfrm>
-            <a:off x="3699449" y="1599100"/>
-            <a:ext cx="1745100" cy="1619100"/>
+            <a:off x="3699450" y="1599100"/>
+            <a:ext cx="1685100" cy="1698900"/>
           </a:xfrm>
           <a:prstGeom prst="ellipse">
             <a:avLst/>
@@ -19517,8 +19517,8 @@
         </p:nvSpPr>
         <p:spPr>
           <a:xfrm>
-            <a:off x="7213600" y="1597899"/>
-            <a:ext cx="1685100" cy="1619099"/>
+            <a:off x="7066425" y="1586650"/>
+            <a:ext cx="1745700" cy="1698900"/>
           </a:xfrm>
           <a:prstGeom prst="ellipse">
             <a:avLst/>
@@ -19615,7 +19615,7 @@
         </p:nvCxnSpPr>
         <p:spPr>
           <a:xfrm flipH="1">
-            <a:off x="1158050" y="544300"/>
+            <a:off x="1355000" y="545500"/>
             <a:ext cx="10500" cy="1053600"/>
           </a:xfrm>
           <a:prstGeom prst="straightConnector1">
@@ -19644,8 +19644,8 @@
         </p:nvCxnSpPr>
         <p:spPr>
           <a:xfrm>
-            <a:off x="2071850" y="2407450"/>
-            <a:ext cx="1627500" cy="1200"/>
+            <a:off x="2265650" y="2448550"/>
+            <a:ext cx="1433700" cy="0"/>
           </a:xfrm>
           <a:prstGeom prst="straightConnector1">
             <a:avLst/>
@@ -19673,8 +19673,8 @@
         </p:nvCxnSpPr>
         <p:spPr>
           <a:xfrm flipH="1" rot="10800000">
-            <a:off x="5444549" y="2407450"/>
-            <a:ext cx="1769100" cy="1200"/>
+            <a:off x="5384550" y="2436250"/>
+            <a:ext cx="1681800" cy="12300"/>
           </a:xfrm>
           <a:prstGeom prst="straightConnector1">
             <a:avLst/>
@@ -19701,7 +19701,7 @@
         </p:nvCxnSpPr>
         <p:spPr>
           <a:xfrm>
-            <a:off x="8056150" y="3216999"/>
+            <a:off x="7939275" y="3285550"/>
             <a:ext cx="11700" cy="1019700"/>
           </a:xfrm>
           <a:prstGeom prst="straightConnector1">
@@ -19792,7 +19792,7 @@
         </p:nvSpPr>
         <p:spPr>
           <a:xfrm rot="5400000">
-            <a:off x="478859" y="1262900"/>
+            <a:off x="736184" y="1340750"/>
             <a:ext cx="1511400" cy="492300"/>
           </a:xfrm>
           <a:prstGeom prst="rect">
@@ -29527,7 +29527,7 @@
                   <a:srgbClr val="D5E5F2"/>
                 </a:solidFill>
               </a:rPr>
-              <a:t>Humans identify real life objects easily. </a:t>
+              <a:t>Humans identify real life objects easily</a:t>
             </a:r>
           </a:p>
           <a:p>
@@ -29566,7 +29566,7 @@
                   <a:srgbClr val="D5E5F2"/>
                 </a:solidFill>
               </a:rPr>
-              <a:t>Its tough for computers to do that.</a:t>
+              <a:t>Tough for computers to match human accuracy level</a:t>
             </a:r>
           </a:p>
           <a:p>
@@ -29605,38 +29605,7 @@
                   <a:srgbClr val="D5E5F2"/>
                 </a:solidFill>
               </a:rPr>
-              <a:t>Computer’s can reach good level of automation.</a:t>
-            </a:r>
-          </a:p>
-          <a:p>
-            <a:pPr indent="0" lvl="0" marL="0" marR="0" rtl="0" algn="l">
-              <a:lnSpc>
-                <a:spcPct val="150000"/>
-              </a:lnSpc>
-              <a:spcBef>
-                <a:spcPts val="0"/>
-              </a:spcBef>
-              <a:spcAft>
-                <a:spcPts val="0"/>
-              </a:spcAft>
-              <a:buClr>
-                <a:srgbClr val="6AA84F"/>
-              </a:buClr>
-              <a:buSzPct val="100000"/>
-              <a:buFont typeface="Noto Sans Symbols"/>
-              <a:buChar char="❑"/>
-            </a:pPr>
-            <a:r>
-              <a:rPr b="0" i="0" lang="en-US" sz="2000" u="none" cap="none" strike="noStrike">
-                <a:solidFill>
-                  <a:srgbClr val="D5E5F2"/>
-                </a:solidFill>
-                <a:latin typeface="PT Serif"/>
-                <a:ea typeface="PT Serif"/>
-                <a:cs typeface="PT Serif"/>
-                <a:sym typeface="PT Serif"/>
-              </a:rPr>
-              <a:t>  These problems lead us to delve into this topic.</a:t>
+              <a:t>Train neural network to infer rules for recognition</a:t>
             </a:r>
           </a:p>
           <a:p>
@@ -30326,31 +30295,7 @@
             </a:pPr>
             <a:r>
               <a:rPr lang="en-US"/>
-              <a:t>2.     Schedule </a:t>
-            </a:r>
-          </a:p>
-          <a:p>
-            <a:pPr indent="0" lvl="0" rtl="0">
-              <a:spcBef>
-                <a:spcPts val="0"/>
-              </a:spcBef>
-              <a:buNone/>
-            </a:pPr>
-            <a:r>
-              <a:t/>
-            </a:r>
-            <a:endParaRPr/>
-          </a:p>
-          <a:p>
-            <a:pPr indent="0" lvl="0" rtl="0">
-              <a:spcBef>
-                <a:spcPts val="0"/>
-              </a:spcBef>
-              <a:buNone/>
-            </a:pPr>
-            <a:r>
-              <a:rPr lang="en-US"/>
-              <a:t>3.     Cost analysis </a:t>
+              <a:t>2.     Cost analysis </a:t>
             </a:r>
           </a:p>
           <a:p>
@@ -30532,7 +30477,7 @@
             </a:pPr>
             <a:r>
               <a:rPr lang="en-US"/>
-              <a:t>Number Data Set</a:t>
+              <a:t>Accuracy</a:t>
             </a:r>
           </a:p>
           <a:p>
@@ -30546,21 +30491,7 @@
             </a:pPr>
             <a:r>
               <a:rPr lang="en-US"/>
-              <a:t>Character Data Set</a:t>
-            </a:r>
-          </a:p>
-          <a:p>
-            <a:pPr indent="-228600" lvl="0" marL="1371600" rtl="0">
-              <a:lnSpc>
-                <a:spcPct val="150000"/>
-              </a:lnSpc>
-              <a:spcBef>
-                <a:spcPts val="0"/>
-              </a:spcBef>
-            </a:pPr>
-            <a:r>
-              <a:rPr lang="en-US"/>
-              <a:t>Special Character Data Set</a:t>
+              <a:t>Data Set for efficient training</a:t>
             </a:r>
           </a:p>
         </p:txBody>
@@ -30871,6 +30802,285 @@
 </file>
 
 <file path=ppt/theme/theme1.xml><?xml version="1.0" encoding="utf-8"?>
+<a:theme xmlns:a="http://schemas.openxmlformats.org/drawingml/2006/main" xmlns:r="http://schemas.openxmlformats.org/officeDocument/2006/relationships" name="Balthasar template">
+  <a:themeElements>
+    <a:clrScheme name="Custom 347">
+      <a:dk1>
+        <a:srgbClr val="000000"/>
+      </a:dk1>
+      <a:lt1>
+        <a:srgbClr val="FFFFFF"/>
+      </a:lt1>
+      <a:dk2>
+        <a:srgbClr val="666666"/>
+      </a:dk2>
+      <a:lt2>
+        <a:srgbClr val="CCCCCC"/>
+      </a:lt2>
+      <a:accent1>
+        <a:srgbClr val="3A81BA"/>
+      </a:accent1>
+      <a:accent2>
+        <a:srgbClr val="D89F39"/>
+      </a:accent2>
+      <a:accent3>
+        <a:srgbClr val="8BAB42"/>
+      </a:accent3>
+      <a:accent4>
+        <a:srgbClr val="57A7B5"/>
+      </a:accent4>
+      <a:accent5>
+        <a:srgbClr val="8B81D2"/>
+      </a:accent5>
+      <a:accent6>
+        <a:srgbClr val="963334"/>
+      </a:accent6>
+      <a:hlink>
+        <a:srgbClr val="1155CC"/>
+      </a:hlink>
+      <a:folHlink>
+        <a:srgbClr val="6611CC"/>
+      </a:folHlink>
+    </a:clrScheme>
+    <a:fontScheme name="Office">
+      <a:majorFont>
+        <a:latin typeface="Arial"/>
+        <a:ea typeface=""/>
+        <a:cs typeface=""/>
+        <a:font script="Jpan" typeface="ＭＳ Ｐゴシック"/>
+        <a:font script="Hang" typeface="맑은 고딕"/>
+        <a:font script="Hans" typeface="宋体"/>
+        <a:font script="Hant" typeface="新細明體"/>
+        <a:font script="Arab" typeface="Times New Roman"/>
+        <a:font script="Hebr" typeface="Times New Roman"/>
+        <a:font script="Thai" typeface="Angsana New"/>
+        <a:font script="Ethi" typeface="Nyala"/>
+        <a:font script="Beng" typeface="Vrinda"/>
+        <a:font script="Gujr" typeface="Shruti"/>
+        <a:font script="Khmr" typeface="MoolBoran"/>
+        <a:font script="Knda" typeface="Tunga"/>
+        <a:font script="Guru" typeface="Raavi"/>
+        <a:font script="Cans" typeface="Euphemia"/>
+        <a:font script="Cher" typeface="Plantagenet Cherokee"/>
+        <a:font script="Yiii" typeface="Microsoft Yi Baiti"/>
+        <a:font script="Tibt" typeface="Microsoft Himalaya"/>
+        <a:font script="Thaa" typeface="MV Boli"/>
+        <a:font script="Deva" typeface="Mangal"/>
+        <a:font script="Telu" typeface="Gautami"/>
+        <a:font script="Taml" typeface="Latha"/>
+        <a:font script="Syrc" typeface="Estrangelo Edessa"/>
+        <a:font script="Orya" typeface="Kalinga"/>
+        <a:font script="Mlym" typeface="Kartika"/>
+        <a:font script="Laoo" typeface="DokChampa"/>
+        <a:font script="Sinh" typeface="Iskoola Pota"/>
+        <a:font script="Mong" typeface="Mongolian Baiti"/>
+        <a:font script="Viet" typeface="Times New Roman"/>
+        <a:font script="Uigh" typeface="Microsoft Uighur"/>
+        <a:font script="Geor" typeface="Sylfaen"/>
+      </a:majorFont>
+      <a:minorFont>
+        <a:latin typeface="Arial"/>
+        <a:ea typeface=""/>
+        <a:cs typeface=""/>
+        <a:font script="Jpan" typeface="ＭＳ Ｐゴシック"/>
+        <a:font script="Hang" typeface="맑은 고딕"/>
+        <a:font script="Hans" typeface="宋体"/>
+        <a:font script="Hant" typeface="新細明體"/>
+        <a:font script="Arab" typeface="Arial"/>
+        <a:font script="Hebr" typeface="Arial"/>
+        <a:font script="Thai" typeface="Cordia New"/>
+        <a:font script="Ethi" typeface="Nyala"/>
+        <a:font script="Beng" typeface="Vrinda"/>
+        <a:font script="Gujr" typeface="Shruti"/>
+        <a:font script="Khmr" typeface="DaunPenh"/>
+        <a:font script="Knda" typeface="Tunga"/>
+        <a:font script="Guru" typeface="Raavi"/>
+        <a:font script="Cans" typeface="Euphemia"/>
+        <a:font script="Cher" typeface="Plantagenet Cherokee"/>
+        <a:font script="Yiii" typeface="Microsoft Yi Baiti"/>
+        <a:font script="Tibt" typeface="Microsoft Himalaya"/>
+        <a:font script="Thaa" typeface="MV Boli"/>
+        <a:font script="Deva" typeface="Mangal"/>
+        <a:font script="Telu" typeface="Gautami"/>
+        <a:font script="Taml" typeface="Latha"/>
+        <a:font script="Syrc" typeface="Estrangelo Edessa"/>
+        <a:font script="Orya" typeface="Kalinga"/>
+        <a:font script="Mlym" typeface="Kartika"/>
+        <a:font script="Laoo" typeface="DokChampa"/>
+        <a:font script="Sinh" typeface="Iskoola Pota"/>
+        <a:font script="Mong" typeface="Mongolian Baiti"/>
+        <a:font script="Viet" typeface="Arial"/>
+        <a:font script="Uigh" typeface="Microsoft Uighur"/>
+        <a:font script="Geor" typeface="Sylfaen"/>
+      </a:minorFont>
+    </a:fontScheme>
+    <a:fmtScheme name="Office">
+      <a:fillStyleLst>
+        <a:solidFill>
+          <a:schemeClr val="phClr"/>
+        </a:solidFill>
+        <a:gradFill rotWithShape="1">
+          <a:gsLst>
+            <a:gs pos="0">
+              <a:schemeClr val="phClr">
+                <a:tint val="50000"/>
+                <a:satMod val="300000"/>
+              </a:schemeClr>
+            </a:gs>
+            <a:gs pos="35000">
+              <a:schemeClr val="phClr">
+                <a:tint val="37000"/>
+                <a:satMod val="300000"/>
+              </a:schemeClr>
+            </a:gs>
+            <a:gs pos="100000">
+              <a:schemeClr val="phClr">
+                <a:tint val="15000"/>
+                <a:satMod val="350000"/>
+              </a:schemeClr>
+            </a:gs>
+          </a:gsLst>
+          <a:lin ang="16200000" scaled="1"/>
+        </a:gradFill>
+        <a:gradFill rotWithShape="1">
+          <a:gsLst>
+            <a:gs pos="0">
+              <a:schemeClr val="phClr">
+                <a:tint val="100000"/>
+                <a:shade val="100000"/>
+                <a:satMod val="130000"/>
+              </a:schemeClr>
+            </a:gs>
+            <a:gs pos="100000">
+              <a:schemeClr val="phClr">
+                <a:tint val="50000"/>
+                <a:shade val="100000"/>
+                <a:satMod val="350000"/>
+              </a:schemeClr>
+            </a:gs>
+          </a:gsLst>
+          <a:lin ang="16200000" scaled="0"/>
+        </a:gradFill>
+      </a:fillStyleLst>
+      <a:lnStyleLst>
+        <a:ln w="9525" cap="flat" cmpd="sng" algn="ctr">
+          <a:solidFill>
+            <a:schemeClr val="phClr">
+              <a:shade val="95000"/>
+              <a:satMod val="105000"/>
+            </a:schemeClr>
+          </a:solidFill>
+          <a:prstDash val="solid"/>
+        </a:ln>
+        <a:ln w="25400" cap="flat" cmpd="sng" algn="ctr">
+          <a:solidFill>
+            <a:schemeClr val="phClr"/>
+          </a:solidFill>
+          <a:prstDash val="solid"/>
+        </a:ln>
+        <a:ln w="38100" cap="flat" cmpd="sng" algn="ctr">
+          <a:solidFill>
+            <a:schemeClr val="phClr"/>
+          </a:solidFill>
+          <a:prstDash val="solid"/>
+        </a:ln>
+      </a:lnStyleLst>
+      <a:effectStyleLst>
+        <a:effectStyle>
+          <a:effectLst>
+            <a:outerShdw blurRad="40000" dist="20000" dir="5400000" rotWithShape="0">
+              <a:srgbClr val="000000">
+                <a:alpha val="38000"/>
+              </a:srgbClr>
+            </a:outerShdw>
+          </a:effectLst>
+        </a:effectStyle>
+        <a:effectStyle>
+          <a:effectLst>
+            <a:outerShdw blurRad="40000" dist="23000" dir="5400000" rotWithShape="0">
+              <a:srgbClr val="000000">
+                <a:alpha val="35000"/>
+              </a:srgbClr>
+            </a:outerShdw>
+          </a:effectLst>
+        </a:effectStyle>
+        <a:effectStyle>
+          <a:effectLst>
+            <a:outerShdw blurRad="40000" dist="23000" dir="5400000" rotWithShape="0">
+              <a:srgbClr val="000000">
+                <a:alpha val="35000"/>
+              </a:srgbClr>
+            </a:outerShdw>
+          </a:effectLst>
+          <a:scene3d>
+            <a:camera prst="orthographicFront">
+              <a:rot lat="0" lon="0" rev="0"/>
+            </a:camera>
+            <a:lightRig rig="threePt" dir="t">
+              <a:rot lat="0" lon="0" rev="1200000"/>
+            </a:lightRig>
+          </a:scene3d>
+          <a:sp3d>
+            <a:bevelT w="63500" h="25400"/>
+          </a:sp3d>
+        </a:effectStyle>
+      </a:effectStyleLst>
+      <a:bgFillStyleLst>
+        <a:solidFill>
+          <a:schemeClr val="phClr"/>
+        </a:solidFill>
+        <a:gradFill rotWithShape="1">
+          <a:gsLst>
+            <a:gs pos="0">
+              <a:schemeClr val="phClr">
+                <a:tint val="40000"/>
+                <a:satMod val="350000"/>
+              </a:schemeClr>
+            </a:gs>
+            <a:gs pos="40000">
+              <a:schemeClr val="phClr">
+                <a:tint val="45000"/>
+                <a:shade val="99000"/>
+                <a:satMod val="350000"/>
+              </a:schemeClr>
+            </a:gs>
+            <a:gs pos="100000">
+              <a:schemeClr val="phClr">
+                <a:shade val="20000"/>
+                <a:satMod val="255000"/>
+              </a:schemeClr>
+            </a:gs>
+          </a:gsLst>
+          <a:path path="circle">
+            <a:fillToRect l="50000" t="-80000" r="50000" b="180000"/>
+          </a:path>
+        </a:gradFill>
+        <a:gradFill rotWithShape="1">
+          <a:gsLst>
+            <a:gs pos="0">
+              <a:schemeClr val="phClr">
+                <a:tint val="80000"/>
+                <a:satMod val="300000"/>
+              </a:schemeClr>
+            </a:gs>
+            <a:gs pos="100000">
+              <a:schemeClr val="phClr">
+                <a:shade val="30000"/>
+                <a:satMod val="200000"/>
+              </a:schemeClr>
+            </a:gs>
+          </a:gsLst>
+          <a:path path="circle">
+            <a:fillToRect l="50000" t="50000" r="50000" b="50000"/>
+          </a:path>
+        </a:gradFill>
+      </a:bgFillStyleLst>
+    </a:fmtScheme>
+  </a:themeElements>
+</a:theme>
+</file>
+
+<file path=ppt/theme/theme2.xml><?xml version="1.0" encoding="utf-8"?>
 <a:theme xmlns:a="http://schemas.openxmlformats.org/drawingml/2006/main" xmlns:r="http://schemas.openxmlformats.org/officeDocument/2006/relationships" name="Custom Theme">
   <a:themeElements>
     <a:clrScheme name="Default">
@@ -31147,283 +31357,4 @@
     </a:fmtScheme>
   </a:themeElements>
 </a:theme>
-</file>
-
-<file path=ppt/theme/theme2.xml><?xml version="1.0" encoding="utf-8"?>
-<a:theme xmlns:a="http://schemas.openxmlformats.org/drawingml/2006/main" xmlns:r="http://schemas.openxmlformats.org/officeDocument/2006/relationships" name="Balthasar template">
-  <a:themeElements>
-    <a:clrScheme name="Custom 347">
-      <a:dk1>
-        <a:srgbClr val="000000"/>
-      </a:dk1>
-      <a:lt1>
-        <a:srgbClr val="FFFFFF"/>
-      </a:lt1>
-      <a:dk2>
-        <a:srgbClr val="666666"/>
-      </a:dk2>
-      <a:lt2>
-        <a:srgbClr val="CCCCCC"/>
-      </a:lt2>
-      <a:accent1>
-        <a:srgbClr val="3A81BA"/>
-      </a:accent1>
-      <a:accent2>
-        <a:srgbClr val="D89F39"/>
-      </a:accent2>
-      <a:accent3>
-        <a:srgbClr val="8BAB42"/>
-      </a:accent3>
-      <a:accent4>
-        <a:srgbClr val="57A7B5"/>
-      </a:accent4>
-      <a:accent5>
-        <a:srgbClr val="8B81D2"/>
-      </a:accent5>
-      <a:accent6>
-        <a:srgbClr val="963334"/>
-      </a:accent6>
-      <a:hlink>
-        <a:srgbClr val="1155CC"/>
-      </a:hlink>
-      <a:folHlink>
-        <a:srgbClr val="6611CC"/>
-      </a:folHlink>
-    </a:clrScheme>
-    <a:fontScheme name="Office">
-      <a:majorFont>
-        <a:latin typeface="Arial"/>
-        <a:ea typeface=""/>
-        <a:cs typeface=""/>
-        <a:font script="Jpan" typeface="ＭＳ Ｐゴシック"/>
-        <a:font script="Hang" typeface="맑은 고딕"/>
-        <a:font script="Hans" typeface="宋体"/>
-        <a:font script="Hant" typeface="新細明體"/>
-        <a:font script="Arab" typeface="Times New Roman"/>
-        <a:font script="Hebr" typeface="Times New Roman"/>
-        <a:font script="Thai" typeface="Angsana New"/>
-        <a:font script="Ethi" typeface="Nyala"/>
-        <a:font script="Beng" typeface="Vrinda"/>
-        <a:font script="Gujr" typeface="Shruti"/>
-        <a:font script="Khmr" typeface="MoolBoran"/>
-        <a:font script="Knda" typeface="Tunga"/>
-        <a:font script="Guru" typeface="Raavi"/>
-        <a:font script="Cans" typeface="Euphemia"/>
-        <a:font script="Cher" typeface="Plantagenet Cherokee"/>
-        <a:font script="Yiii" typeface="Microsoft Yi Baiti"/>
-        <a:font script="Tibt" typeface="Microsoft Himalaya"/>
-        <a:font script="Thaa" typeface="MV Boli"/>
-        <a:font script="Deva" typeface="Mangal"/>
-        <a:font script="Telu" typeface="Gautami"/>
-        <a:font script="Taml" typeface="Latha"/>
-        <a:font script="Syrc" typeface="Estrangelo Edessa"/>
-        <a:font script="Orya" typeface="Kalinga"/>
-        <a:font script="Mlym" typeface="Kartika"/>
-        <a:font script="Laoo" typeface="DokChampa"/>
-        <a:font script="Sinh" typeface="Iskoola Pota"/>
-        <a:font script="Mong" typeface="Mongolian Baiti"/>
-        <a:font script="Viet" typeface="Times New Roman"/>
-        <a:font script="Uigh" typeface="Microsoft Uighur"/>
-        <a:font script="Geor" typeface="Sylfaen"/>
-      </a:majorFont>
-      <a:minorFont>
-        <a:latin typeface="Arial"/>
-        <a:ea typeface=""/>
-        <a:cs typeface=""/>
-        <a:font script="Jpan" typeface="ＭＳ Ｐゴシック"/>
-        <a:font script="Hang" typeface="맑은 고딕"/>
-        <a:font script="Hans" typeface="宋体"/>
-        <a:font script="Hant" typeface="新細明體"/>
-        <a:font script="Arab" typeface="Arial"/>
-        <a:font script="Hebr" typeface="Arial"/>
-        <a:font script="Thai" typeface="Cordia New"/>
-        <a:font script="Ethi" typeface="Nyala"/>
-        <a:font script="Beng" typeface="Vrinda"/>
-        <a:font script="Gujr" typeface="Shruti"/>
-        <a:font script="Khmr" typeface="DaunPenh"/>
-        <a:font script="Knda" typeface="Tunga"/>
-        <a:font script="Guru" typeface="Raavi"/>
-        <a:font script="Cans" typeface="Euphemia"/>
-        <a:font script="Cher" typeface="Plantagenet Cherokee"/>
-        <a:font script="Yiii" typeface="Microsoft Yi Baiti"/>
-        <a:font script="Tibt" typeface="Microsoft Himalaya"/>
-        <a:font script="Thaa" typeface="MV Boli"/>
-        <a:font script="Deva" typeface="Mangal"/>
-        <a:font script="Telu" typeface="Gautami"/>
-        <a:font script="Taml" typeface="Latha"/>
-        <a:font script="Syrc" typeface="Estrangelo Edessa"/>
-        <a:font script="Orya" typeface="Kalinga"/>
-        <a:font script="Mlym" typeface="Kartika"/>
-        <a:font script="Laoo" typeface="DokChampa"/>
-        <a:font script="Sinh" typeface="Iskoola Pota"/>
-        <a:font script="Mong" typeface="Mongolian Baiti"/>
-        <a:font script="Viet" typeface="Arial"/>
-        <a:font script="Uigh" typeface="Microsoft Uighur"/>
-        <a:font script="Geor" typeface="Sylfaen"/>
-      </a:minorFont>
-    </a:fontScheme>
-    <a:fmtScheme name="Office">
-      <a:fillStyleLst>
-        <a:solidFill>
-          <a:schemeClr val="phClr"/>
-        </a:solidFill>
-        <a:gradFill rotWithShape="1">
-          <a:gsLst>
-            <a:gs pos="0">
-              <a:schemeClr val="phClr">
-                <a:tint val="50000"/>
-                <a:satMod val="300000"/>
-              </a:schemeClr>
-            </a:gs>
-            <a:gs pos="35000">
-              <a:schemeClr val="phClr">
-                <a:tint val="37000"/>
-                <a:satMod val="300000"/>
-              </a:schemeClr>
-            </a:gs>
-            <a:gs pos="100000">
-              <a:schemeClr val="phClr">
-                <a:tint val="15000"/>
-                <a:satMod val="350000"/>
-              </a:schemeClr>
-            </a:gs>
-          </a:gsLst>
-          <a:lin ang="16200000" scaled="1"/>
-        </a:gradFill>
-        <a:gradFill rotWithShape="1">
-          <a:gsLst>
-            <a:gs pos="0">
-              <a:schemeClr val="phClr">
-                <a:tint val="100000"/>
-                <a:shade val="100000"/>
-                <a:satMod val="130000"/>
-              </a:schemeClr>
-            </a:gs>
-            <a:gs pos="100000">
-              <a:schemeClr val="phClr">
-                <a:tint val="50000"/>
-                <a:shade val="100000"/>
-                <a:satMod val="350000"/>
-              </a:schemeClr>
-            </a:gs>
-          </a:gsLst>
-          <a:lin ang="16200000" scaled="0"/>
-        </a:gradFill>
-      </a:fillStyleLst>
-      <a:lnStyleLst>
-        <a:ln w="9525" cap="flat" cmpd="sng" algn="ctr">
-          <a:solidFill>
-            <a:schemeClr val="phClr">
-              <a:shade val="95000"/>
-              <a:satMod val="105000"/>
-            </a:schemeClr>
-          </a:solidFill>
-          <a:prstDash val="solid"/>
-        </a:ln>
-        <a:ln w="25400" cap="flat" cmpd="sng" algn="ctr">
-          <a:solidFill>
-            <a:schemeClr val="phClr"/>
-          </a:solidFill>
-          <a:prstDash val="solid"/>
-        </a:ln>
-        <a:ln w="38100" cap="flat" cmpd="sng" algn="ctr">
-          <a:solidFill>
-            <a:schemeClr val="phClr"/>
-          </a:solidFill>
-          <a:prstDash val="solid"/>
-        </a:ln>
-      </a:lnStyleLst>
-      <a:effectStyleLst>
-        <a:effectStyle>
-          <a:effectLst>
-            <a:outerShdw blurRad="40000" dist="20000" dir="5400000" rotWithShape="0">
-              <a:srgbClr val="000000">
-                <a:alpha val="38000"/>
-              </a:srgbClr>
-            </a:outerShdw>
-          </a:effectLst>
-        </a:effectStyle>
-        <a:effectStyle>
-          <a:effectLst>
-            <a:outerShdw blurRad="40000" dist="23000" dir="5400000" rotWithShape="0">
-              <a:srgbClr val="000000">
-                <a:alpha val="35000"/>
-              </a:srgbClr>
-            </a:outerShdw>
-          </a:effectLst>
-        </a:effectStyle>
-        <a:effectStyle>
-          <a:effectLst>
-            <a:outerShdw blurRad="40000" dist="23000" dir="5400000" rotWithShape="0">
-              <a:srgbClr val="000000">
-                <a:alpha val="35000"/>
-              </a:srgbClr>
-            </a:outerShdw>
-          </a:effectLst>
-          <a:scene3d>
-            <a:camera prst="orthographicFront">
-              <a:rot lat="0" lon="0" rev="0"/>
-            </a:camera>
-            <a:lightRig rig="threePt" dir="t">
-              <a:rot lat="0" lon="0" rev="1200000"/>
-            </a:lightRig>
-          </a:scene3d>
-          <a:sp3d>
-            <a:bevelT w="63500" h="25400"/>
-          </a:sp3d>
-        </a:effectStyle>
-      </a:effectStyleLst>
-      <a:bgFillStyleLst>
-        <a:solidFill>
-          <a:schemeClr val="phClr"/>
-        </a:solidFill>
-        <a:gradFill rotWithShape="1">
-          <a:gsLst>
-            <a:gs pos="0">
-              <a:schemeClr val="phClr">
-                <a:tint val="40000"/>
-                <a:satMod val="350000"/>
-              </a:schemeClr>
-            </a:gs>
-            <a:gs pos="40000">
-              <a:schemeClr val="phClr">
-                <a:tint val="45000"/>
-                <a:shade val="99000"/>
-                <a:satMod val="350000"/>
-              </a:schemeClr>
-            </a:gs>
-            <a:gs pos="100000">
-              <a:schemeClr val="phClr">
-                <a:shade val="20000"/>
-                <a:satMod val="255000"/>
-              </a:schemeClr>
-            </a:gs>
-          </a:gsLst>
-          <a:path path="circle">
-            <a:fillToRect l="50000" t="-80000" r="50000" b="180000"/>
-          </a:path>
-        </a:gradFill>
-        <a:gradFill rotWithShape="1">
-          <a:gsLst>
-            <a:gs pos="0">
-              <a:schemeClr val="phClr">
-                <a:tint val="80000"/>
-                <a:satMod val="300000"/>
-              </a:schemeClr>
-            </a:gs>
-            <a:gs pos="100000">
-              <a:schemeClr val="phClr">
-                <a:shade val="30000"/>
-                <a:satMod val="200000"/>
-              </a:schemeClr>
-            </a:gs>
-          </a:gsLst>
-          <a:path path="circle">
-            <a:fillToRect l="50000" t="50000" r="50000" b="50000"/>
-          </a:path>
-        </a:gradFill>
-      </a:bgFillStyleLst>
-    </a:fmtScheme>
-  </a:themeElements>
-</a:theme>
 </file>